--- a/0090_ber/rtl/schematic/serial_recv.pptx
+++ b/0090_ber/rtl/schematic/serial_recv.pptx
@@ -197,7 +197,7 @@
           <a:p>
             <a:fld id="{B9E5BF02-4A65-43B2-AA51-912306618617}" type="datetimeFigureOut">
               <a:rPr lang="en-US" smtClean="0"/>
-              <a:t>9/26/2017</a:t>
+              <a:t>10/12/2017</a:t>
             </a:fld>
             <a:endParaRPr lang="en-US"/>
           </a:p>
@@ -685,7 +685,7 @@
           <a:p>
             <a:fld id="{F8F920B2-3E99-4C9D-9450-62A3DEC5476B}" type="datetimeFigureOut">
               <a:rPr lang="en-US" smtClean="0"/>
-              <a:t>9/26/2017</a:t>
+              <a:t>10/12/2017</a:t>
             </a:fld>
             <a:endParaRPr lang="en-US"/>
           </a:p>
@@ -855,7 +855,7 @@
           <a:p>
             <a:fld id="{F8F920B2-3E99-4C9D-9450-62A3DEC5476B}" type="datetimeFigureOut">
               <a:rPr lang="en-US" smtClean="0"/>
-              <a:t>9/26/2017</a:t>
+              <a:t>10/12/2017</a:t>
             </a:fld>
             <a:endParaRPr lang="en-US"/>
           </a:p>
@@ -1035,7 +1035,7 @@
           <a:p>
             <a:fld id="{F8F920B2-3E99-4C9D-9450-62A3DEC5476B}" type="datetimeFigureOut">
               <a:rPr lang="en-US" smtClean="0"/>
-              <a:t>9/26/2017</a:t>
+              <a:t>10/12/2017</a:t>
             </a:fld>
             <a:endParaRPr lang="en-US"/>
           </a:p>
@@ -1205,7 +1205,7 @@
           <a:p>
             <a:fld id="{F8F920B2-3E99-4C9D-9450-62A3DEC5476B}" type="datetimeFigureOut">
               <a:rPr lang="en-US" smtClean="0"/>
-              <a:t>9/26/2017</a:t>
+              <a:t>10/12/2017</a:t>
             </a:fld>
             <a:endParaRPr lang="en-US"/>
           </a:p>
@@ -1449,7 +1449,7 @@
           <a:p>
             <a:fld id="{F8F920B2-3E99-4C9D-9450-62A3DEC5476B}" type="datetimeFigureOut">
               <a:rPr lang="en-US" smtClean="0"/>
-              <a:t>9/26/2017</a:t>
+              <a:t>10/12/2017</a:t>
             </a:fld>
             <a:endParaRPr lang="en-US"/>
           </a:p>
@@ -1681,7 +1681,7 @@
           <a:p>
             <a:fld id="{F8F920B2-3E99-4C9D-9450-62A3DEC5476B}" type="datetimeFigureOut">
               <a:rPr lang="en-US" smtClean="0"/>
-              <a:t>9/26/2017</a:t>
+              <a:t>10/12/2017</a:t>
             </a:fld>
             <a:endParaRPr lang="en-US"/>
           </a:p>
@@ -2048,7 +2048,7 @@
           <a:p>
             <a:fld id="{F8F920B2-3E99-4C9D-9450-62A3DEC5476B}" type="datetimeFigureOut">
               <a:rPr lang="en-US" smtClean="0"/>
-              <a:t>9/26/2017</a:t>
+              <a:t>10/12/2017</a:t>
             </a:fld>
             <a:endParaRPr lang="en-US"/>
           </a:p>
@@ -2166,7 +2166,7 @@
           <a:p>
             <a:fld id="{F8F920B2-3E99-4C9D-9450-62A3DEC5476B}" type="datetimeFigureOut">
               <a:rPr lang="en-US" smtClean="0"/>
-              <a:t>9/26/2017</a:t>
+              <a:t>10/12/2017</a:t>
             </a:fld>
             <a:endParaRPr lang="en-US"/>
           </a:p>
@@ -2261,7 +2261,7 @@
           <a:p>
             <a:fld id="{F8F920B2-3E99-4C9D-9450-62A3DEC5476B}" type="datetimeFigureOut">
               <a:rPr lang="en-US" smtClean="0"/>
-              <a:t>9/26/2017</a:t>
+              <a:t>10/12/2017</a:t>
             </a:fld>
             <a:endParaRPr lang="en-US"/>
           </a:p>
@@ -2538,7 +2538,7 @@
           <a:p>
             <a:fld id="{F8F920B2-3E99-4C9D-9450-62A3DEC5476B}" type="datetimeFigureOut">
               <a:rPr lang="en-US" smtClean="0"/>
-              <a:t>9/26/2017</a:t>
+              <a:t>10/12/2017</a:t>
             </a:fld>
             <a:endParaRPr lang="en-US"/>
           </a:p>
@@ -2795,7 +2795,7 @@
           <a:p>
             <a:fld id="{F8F920B2-3E99-4C9D-9450-62A3DEC5476B}" type="datetimeFigureOut">
               <a:rPr lang="en-US" smtClean="0"/>
-              <a:t>9/26/2017</a:t>
+              <a:t>10/12/2017</a:t>
             </a:fld>
             <a:endParaRPr lang="en-US"/>
           </a:p>
@@ -3008,7 +3008,7 @@
           <a:p>
             <a:fld id="{F8F920B2-3E99-4C9D-9450-62A3DEC5476B}" type="datetimeFigureOut">
               <a:rPr lang="en-US" smtClean="0"/>
-              <a:t>9/26/2017</a:t>
+              <a:t>10/12/2017</a:t>
             </a:fld>
             <a:endParaRPr lang="en-US"/>
           </a:p>
@@ -5863,8 +5863,8 @@
         </p:nvSpPr>
         <p:spPr>
           <a:xfrm>
-            <a:off x="8763000" y="3276600"/>
-            <a:ext cx="304800" cy="152400"/>
+            <a:off x="8763000" y="3124200"/>
+            <a:ext cx="304800" cy="304800"/>
           </a:xfrm>
           <a:prstGeom prst="rect">
             <a:avLst/>
@@ -5895,7 +5895,19 @@
           <a:lstStyle/>
           <a:p>
             <a:r>
-              <a:rPr lang="en-US" sz="900" dirty="0">
+              <a:rPr lang="en-US" sz="900" dirty="0" smtClean="0">
+                <a:solidFill>
+                  <a:srgbClr val="000000"/>
+                </a:solidFill>
+                <a:latin typeface="Courier New" panose="02070309020205020404" pitchFamily="49" charset="0"/>
+                <a:cs typeface="Courier New" panose="02070309020205020404" pitchFamily="49" charset="0"/>
+              </a:rPr>
+              <a:t>#(.DDR_ALIGNMENT(“C0”))</a:t>
+            </a:r>
+          </a:p>
+          <a:p>
+            <a:r>
+              <a:rPr lang="en-US" sz="900" dirty="0" smtClean="0">
                 <a:solidFill>
                   <a:srgbClr val="000000"/>
                 </a:solidFill>
@@ -5904,6 +5916,13 @@
               </a:rPr>
               <a:t>i_iddr2</a:t>
             </a:r>
+            <a:endParaRPr lang="en-US" sz="900" dirty="0">
+              <a:solidFill>
+                <a:srgbClr val="000000"/>
+              </a:solidFill>
+              <a:latin typeface="Courier New" panose="02070309020205020404" pitchFamily="49" charset="0"/>
+              <a:cs typeface="Courier New" panose="02070309020205020404" pitchFamily="49" charset="0"/>
+            </a:endParaRPr>
           </a:p>
         </p:txBody>
       </p:sp>
